--- a/Presentation.pptx
+++ b/Presentation.pptx
@@ -127,6 +127,8 @@
 <file path=ppt/revisionInfo.xml><?xml version="1.0" encoding="utf-8"?>
 <p1510:revInfo xmlns:a="http://schemas.openxmlformats.org/drawingml/2006/main" xmlns:r="http://schemas.openxmlformats.org/officeDocument/2006/relationships" xmlns:p1510="http://schemas.microsoft.com/office/powerpoint/2015/10/main">
   <p1510:revLst>
+    <p1510:client id="{37C42A8B-9547-7C02-60DB-9B46A78126AA}" v="17" dt="2023-10-10T11:20:06.715"/>
+    <p1510:client id="{52134754-359B-F9E0-7EEC-9E35470376BE}" v="6" dt="2023-10-11T07:09:13.364"/>
     <p1510:client id="{D7AB365B-7B37-4C08-B1F1-FBDE3AFB00E5}" v="16" dt="2023-10-10T08:19:45.073"/>
     <p1510:client id="{E1E42A17-098A-8CC0-03FF-AA1406B1EF00}" v="20" dt="2023-10-10T08:14:23.972"/>
     <p1510:client id="{F46BAD5A-1A38-428C-A687-8A4234B0E6FA}" v="294" dt="2023-10-10T07:53:48.922"/>
@@ -228,7 +230,7 @@
           <a:p>
             <a:fld id="{B56F32FC-4BD9-442A-A8C6-51598C909FE3}" type="datetimeFigureOut">
               <a:rPr lang="en-US" smtClean="0"/>
-              <a:t>10/10/2023</a:t>
+              <a:t>10/11/2023</a:t>
             </a:fld>
             <a:endParaRPr lang="en-US"/>
           </a:p>
@@ -405,7 +407,7 @@
           <a:p>
             <a:fld id="{056371FA-A98D-41E8-93F4-09945841298A}" type="datetimeFigureOut">
               <a:rPr lang="en-US" smtClean="0"/>
-              <a:t>10/10/2023</a:t>
+              <a:t>10/11/2023</a:t>
             </a:fld>
             <a:endParaRPr lang="en-US"/>
           </a:p>
@@ -1257,7 +1259,7 @@
             <a:fld id="{B61BEF0D-F0BB-DE4B-95CE-6DB70DBA9567}" type="datetimeFigureOut">
               <a:rPr lang="en-US" dirty="0"/>
               <a:pPr/>
-              <a:t>10/10/2023</a:t>
+              <a:t>10/11/2023</a:t>
             </a:fld>
             <a:endParaRPr lang="en-US"/>
           </a:p>
@@ -1550,7 +1552,7 @@
             <a:fld id="{B61BEF0D-F0BB-DE4B-95CE-6DB70DBA9567}" type="datetimeFigureOut">
               <a:rPr lang="en-US" dirty="0"/>
               <a:pPr/>
-              <a:t>10/10/2023</a:t>
+              <a:t>10/11/2023</a:t>
             </a:fld>
             <a:endParaRPr lang="en-US"/>
           </a:p>
@@ -1799,7 +1801,7 @@
             <a:fld id="{B61BEF0D-F0BB-DE4B-95CE-6DB70DBA9567}" type="datetimeFigureOut">
               <a:rPr lang="en-US" dirty="0"/>
               <a:pPr/>
-              <a:t>10/10/2023</a:t>
+              <a:t>10/11/2023</a:t>
             </a:fld>
             <a:endParaRPr lang="en-US"/>
           </a:p>
@@ -2340,7 +2342,7 @@
             <a:fld id="{B61BEF0D-F0BB-DE4B-95CE-6DB70DBA9567}" type="datetimeFigureOut">
               <a:rPr lang="en-US" dirty="0"/>
               <a:pPr/>
-              <a:t>10/10/2023</a:t>
+              <a:t>10/11/2023</a:t>
             </a:fld>
             <a:endParaRPr lang="en-US"/>
           </a:p>
@@ -2589,7 +2591,7 @@
             <a:fld id="{B61BEF0D-F0BB-DE4B-95CE-6DB70DBA9567}" type="datetimeFigureOut">
               <a:rPr lang="en-US" dirty="0"/>
               <a:pPr/>
-              <a:t>10/10/2023</a:t>
+              <a:t>10/11/2023</a:t>
             </a:fld>
             <a:endParaRPr lang="en-US"/>
           </a:p>
@@ -3122,7 +3124,7 @@
             <a:fld id="{B61BEF0D-F0BB-DE4B-95CE-6DB70DBA9567}" type="datetimeFigureOut">
               <a:rPr lang="en-US" dirty="0"/>
               <a:pPr/>
-              <a:t>10/10/2023</a:t>
+              <a:t>10/11/2023</a:t>
             </a:fld>
             <a:endParaRPr lang="en-US"/>
           </a:p>
@@ -3420,7 +3422,7 @@
             <a:fld id="{B61BEF0D-F0BB-DE4B-95CE-6DB70DBA9567}" type="datetimeFigureOut">
               <a:rPr lang="en-US" dirty="0"/>
               <a:pPr/>
-              <a:t>10/10/2023</a:t>
+              <a:t>10/11/2023</a:t>
             </a:fld>
             <a:endParaRPr lang="en-US"/>
           </a:p>
@@ -3594,7 +3596,7 @@
             <a:fld id="{B61BEF0D-F0BB-DE4B-95CE-6DB70DBA9567}" type="datetimeFigureOut">
               <a:rPr lang="en-US" dirty="0"/>
               <a:pPr/>
-              <a:t>10/10/2023</a:t>
+              <a:t>10/11/2023</a:t>
             </a:fld>
             <a:endParaRPr lang="en-US"/>
           </a:p>
@@ -3774,7 +3776,7 @@
             <a:fld id="{B61BEF0D-F0BB-DE4B-95CE-6DB70DBA9567}" type="datetimeFigureOut">
               <a:rPr lang="en-US" dirty="0"/>
               <a:pPr/>
-              <a:t>10/10/2023</a:t>
+              <a:t>10/11/2023</a:t>
             </a:fld>
             <a:endParaRPr lang="en-US"/>
           </a:p>
@@ -4501,7 +4503,7 @@
             <a:fld id="{B61BEF0D-F0BB-DE4B-95CE-6DB70DBA9567}" type="datetimeFigureOut">
               <a:rPr lang="en-US" dirty="0"/>
               <a:pPr/>
-              <a:t>10/10/2023</a:t>
+              <a:t>10/11/2023</a:t>
             </a:fld>
             <a:endParaRPr lang="en-US"/>
           </a:p>
@@ -9794,7 +9796,7 @@
             <a:fld id="{B61BEF0D-F0BB-DE4B-95CE-6DB70DBA9567}" type="datetimeFigureOut">
               <a:rPr lang="en-US" dirty="0"/>
               <a:pPr/>
-              <a:t>10/10/2023</a:t>
+              <a:t>10/11/2023</a:t>
             </a:fld>
             <a:endParaRPr lang="en-US"/>
           </a:p>
@@ -10090,7 +10092,7 @@
             <a:fld id="{B61BEF0D-F0BB-DE4B-95CE-6DB70DBA9567}" type="datetimeFigureOut">
               <a:rPr lang="en-US" dirty="0"/>
               <a:pPr/>
-              <a:t>10/10/2023</a:t>
+              <a:t>10/11/2023</a:t>
             </a:fld>
             <a:endParaRPr lang="en-US"/>
           </a:p>
@@ -10531,7 +10533,7 @@
             <a:fld id="{B61BEF0D-F0BB-DE4B-95CE-6DB70DBA9567}" type="datetimeFigureOut">
               <a:rPr lang="en-US" dirty="0"/>
               <a:pPr/>
-              <a:t>10/10/2023</a:t>
+              <a:t>10/11/2023</a:t>
             </a:fld>
             <a:endParaRPr lang="en-US"/>
           </a:p>
@@ -10650,7 +10652,7 @@
             <a:fld id="{B61BEF0D-F0BB-DE4B-95CE-6DB70DBA9567}" type="datetimeFigureOut">
               <a:rPr lang="en-US" dirty="0"/>
               <a:pPr/>
-              <a:t>10/10/2023</a:t>
+              <a:t>10/11/2023</a:t>
             </a:fld>
             <a:endParaRPr lang="en-US"/>
           </a:p>
@@ -10747,7 +10749,7 @@
             <a:fld id="{B61BEF0D-F0BB-DE4B-95CE-6DB70DBA9567}" type="datetimeFigureOut">
               <a:rPr lang="en-US" dirty="0"/>
               <a:pPr/>
-              <a:t>10/10/2023</a:t>
+              <a:t>10/11/2023</a:t>
             </a:fld>
             <a:endParaRPr lang="en-US"/>
           </a:p>
@@ -11030,7 +11032,7 @@
             <a:fld id="{B61BEF0D-F0BB-DE4B-95CE-6DB70DBA9567}" type="datetimeFigureOut">
               <a:rPr lang="en-US" dirty="0"/>
               <a:pPr/>
-              <a:t>10/10/2023</a:t>
+              <a:t>10/11/2023</a:t>
             </a:fld>
             <a:endParaRPr lang="en-US"/>
           </a:p>
@@ -11318,7 +11320,7 @@
             <a:fld id="{B61BEF0D-F0BB-DE4B-95CE-6DB70DBA9567}" type="datetimeFigureOut">
               <a:rPr lang="en-US" dirty="0"/>
               <a:pPr/>
-              <a:t>10/10/2023</a:t>
+              <a:t>10/11/2023</a:t>
             </a:fld>
             <a:endParaRPr lang="en-US"/>
           </a:p>
@@ -11848,7 +11850,7 @@
             <a:fld id="{B61BEF0D-F0BB-DE4B-95CE-6DB70DBA9567}" type="datetimeFigureOut">
               <a:rPr lang="en-US" dirty="0"/>
               <a:pPr/>
-              <a:t>10/10/2023</a:t>
+              <a:t>10/11/2023</a:t>
             </a:fld>
             <a:endParaRPr lang="en-US"/>
           </a:p>
@@ -12488,34 +12490,6 @@
       </p:grpSpPr>
       <p:sp>
         <p:nvSpPr>
-          <p:cNvPr id="2" name="Title 1">
-            <a:extLst>
-              <a:ext uri="{FF2B5EF4-FFF2-40B4-BE49-F238E27FC236}">
-                <a16:creationId xmlns:a16="http://schemas.microsoft.com/office/drawing/2014/main" id="{1BEF5859-10C9-4588-9727-B9362E26C29D}"/>
-              </a:ext>
-            </a:extLst>
-          </p:cNvPr>
-          <p:cNvSpPr>
-            <a:spLocks noGrp="1"/>
-          </p:cNvSpPr>
-          <p:nvPr>
-            <p:ph type="title"/>
-          </p:nvPr>
-        </p:nvSpPr>
-        <p:spPr/>
-        <p:txBody>
-          <a:bodyPr/>
-          <a:lstStyle/>
-          <a:p>
-            <a:r>
-              <a:rPr lang="en-US"/>
-              <a:t>AGENDA</a:t>
-            </a:r>
-          </a:p>
-        </p:txBody>
-      </p:sp>
-      <p:sp>
-        <p:nvSpPr>
           <p:cNvPr id="3" name="Content Placeholder 2">
             <a:extLst>
               <a:ext uri="{FF2B5EF4-FFF2-40B4-BE49-F238E27FC236}">
@@ -12543,7 +12517,7 @@
           <a:lstStyle/>
           <a:p>
             <a:r>
-              <a:rPr lang="en-US" dirty="0"/>
+              <a:rPr lang="en-US"/>
               <a:t>Best areas easily accessible</a:t>
             </a:r>
           </a:p>
@@ -12554,7 +12528,7 @@
               </a:buClr>
             </a:pPr>
             <a:r>
-              <a:rPr lang="en-US" dirty="0"/>
+              <a:rPr lang="en-US"/>
               <a:t>Surprise areas popping up</a:t>
             </a:r>
           </a:p>
@@ -12565,7 +12539,7 @@
               </a:buClr>
             </a:pPr>
             <a:r>
-              <a:rPr lang="en-US" dirty="0"/>
+              <a:rPr lang="en-US"/>
               <a:t>Differently priced areas give the same profit</a:t>
             </a:r>
           </a:p>
@@ -12586,34 +12560,6 @@
           </a:p>
           <a:p>
             <a:endParaRPr lang="en-US"/>
-          </a:p>
-        </p:txBody>
-      </p:sp>
-      <p:sp>
-        <p:nvSpPr>
-          <p:cNvPr id="4" name="Footer Placeholder 3">
-            <a:extLst>
-              <a:ext uri="{FF2B5EF4-FFF2-40B4-BE49-F238E27FC236}">
-                <a16:creationId xmlns:a16="http://schemas.microsoft.com/office/drawing/2014/main" id="{36C19884-873C-4D13-BE6D-318CF07B0D12}"/>
-              </a:ext>
-            </a:extLst>
-          </p:cNvPr>
-          <p:cNvSpPr>
-            <a:spLocks noGrp="1"/>
-          </p:cNvSpPr>
-          <p:nvPr>
-            <p:ph type="ftr" sz="quarter" idx="11"/>
-          </p:nvPr>
-        </p:nvSpPr>
-        <p:spPr/>
-        <p:txBody>
-          <a:bodyPr/>
-          <a:lstStyle/>
-          <a:p>
-            <a:r>
-              <a:rPr lang="en-US"/>
-              <a:t>PRESENTATION TITLE</a:t>
-            </a:r>
           </a:p>
         </p:txBody>
       </p:sp>
@@ -12649,10 +12595,10 @@
       </p:sp>
       <p:pic>
         <p:nvPicPr>
-          <p:cNvPr id="7" name="Picture 6">
+          <p:cNvPr id="2" name="Picture 1">
             <a:extLst>
               <a:ext uri="{FF2B5EF4-FFF2-40B4-BE49-F238E27FC236}">
-                <a16:creationId xmlns:a16="http://schemas.microsoft.com/office/drawing/2014/main" id="{4A6854ED-F941-27A1-2689-40BDBD8BC692}"/>
+                <a16:creationId xmlns:a16="http://schemas.microsoft.com/office/drawing/2014/main" id="{6340E106-F791-1356-EDEF-CBBC0626C896}"/>
               </a:ext>
             </a:extLst>
           </p:cNvPr>
@@ -12668,9 +12614,9 @@
           </a:stretch>
         </p:blipFill>
         <p:spPr>
-          <a:xfrm>
-            <a:off x="4443397" y="730250"/>
-            <a:ext cx="7318405" cy="5803900"/>
+          <a:xfrm rot="5400000">
+            <a:off x="5616575" y="1242302"/>
+            <a:ext cx="6026150" cy="4379746"/>
           </a:xfrm>
           <a:prstGeom prst="rect">
             <a:avLst/>
@@ -13039,7 +12985,7 @@
           <a:lstStyle/>
           <a:p>
             <a:r>
-              <a:rPr lang="en-US" dirty="0"/>
+              <a:rPr lang="en-US"/>
               <a:t>Compare cities</a:t>
             </a:r>
           </a:p>
@@ -13050,7 +12996,7 @@
               </a:buClr>
             </a:pPr>
             <a:r>
-              <a:rPr lang="en-US" dirty="0"/>
+              <a:rPr lang="en-US"/>
               <a:t>Helsinki is way overpriced!</a:t>
             </a:r>
           </a:p>
@@ -14156,15 +14102,6 @@
 </file>
 
 <file path=customXml/item1.xml><?xml version="1.0" encoding="utf-8"?>
-<?mso-contentType ?>
-<FormTemplates xmlns="http://schemas.microsoft.com/sharepoint/v3/contenttype/forms">
-  <Display>DocumentLibraryForm</Display>
-  <Edit>DocumentLibraryForm</Edit>
-  <New>DocumentLibraryForm</New>
-</FormTemplates>
-</file>
-
-<file path=customXml/item2.xml><?xml version="1.0" encoding="utf-8"?>
 <p:properties xmlns:p="http://schemas.microsoft.com/office/2006/metadata/properties" xmlns:xsi="http://www.w3.org/2001/XMLSchema-instance" xmlns:pc="http://schemas.microsoft.com/office/infopath/2007/PartnerControls">
   <documentManagement>
     <_ip_UnifiedCompliancePolicyUIAction xmlns="http://schemas.microsoft.com/sharepoint/v3" xsi:nil="true"/>
@@ -14182,6 +14119,15 @@
     <MediaServiceKeyPoints xmlns="71af3243-3dd4-4a8d-8c0d-dd76da1f02a5" xsi:nil="true"/>
   </documentManagement>
 </p:properties>
+</file>
+
+<file path=customXml/item2.xml><?xml version="1.0" encoding="utf-8"?>
+<?mso-contentType ?>
+<FormTemplates xmlns="http://schemas.microsoft.com/sharepoint/v3/contenttype/forms">
+  <Display>DocumentLibraryForm</Display>
+  <Edit>DocumentLibraryForm</Edit>
+  <New>DocumentLibraryForm</New>
+</FormTemplates>
 </file>
 
 <file path=customXml/item3.xml><?xml version="1.0" encoding="utf-8"?>
@@ -14497,14 +14443,6 @@
 </file>
 
 <file path=customXml/itemProps1.xml><?xml version="1.0" encoding="utf-8"?>
-<ds:datastoreItem xmlns:ds="http://schemas.openxmlformats.org/officeDocument/2006/customXml" ds:itemID="{518A5EB6-E9B8-417D-B09E-03811FBC9BCD}">
-  <ds:schemaRefs>
-    <ds:schemaRef ds:uri="http://schemas.microsoft.com/sharepoint/v3/contenttype/forms"/>
-  </ds:schemaRefs>
-</ds:datastoreItem>
-</file>
-
-<file path=customXml/itemProps2.xml><?xml version="1.0" encoding="utf-8"?>
 <ds:datastoreItem xmlns:ds="http://schemas.openxmlformats.org/officeDocument/2006/customXml" ds:itemID="{CE5CEF65-757A-4D05-90BA-ED40BC2E5152}">
   <ds:schemaRefs>
     <ds:schemaRef ds:uri="230e9df3-be65-4c73-a93b-d1236ebd677e"/>
@@ -14512,6 +14450,14 @@
     <ds:schemaRef ds:uri="http://schemas.microsoft.com/office/2006/metadata/properties"/>
     <ds:schemaRef ds:uri="http://schemas.microsoft.com/office/infopath/2007/PartnerControls"/>
     <ds:schemaRef ds:uri="http://schemas.microsoft.com/sharepoint/v3"/>
+  </ds:schemaRefs>
+</ds:datastoreItem>
+</file>
+
+<file path=customXml/itemProps2.xml><?xml version="1.0" encoding="utf-8"?>
+<ds:datastoreItem xmlns:ds="http://schemas.openxmlformats.org/officeDocument/2006/customXml" ds:itemID="{518A5EB6-E9B8-417D-B09E-03811FBC9BCD}">
+  <ds:schemaRefs>
+    <ds:schemaRef ds:uri="http://schemas.microsoft.com/sharepoint/v3/contenttype/forms"/>
   </ds:schemaRefs>
 </ds:datastoreItem>
 </file>
